--- a/childhood_mortality.pptx
+++ b/childhood_mortality.pptx
@@ -5732,7 +5732,7 @@
           <a:p>
             <a:fld id="{8C1E1FAD-7351-4908-963A-08EA8E4AB7A0}" type="datetimeFigureOut">
               <a:rPr lang="en-US" smtClean="0"/>
-              <a:t>1/28/2023</a:t>
+              <a:t>1/31/2023</a:t>
             </a:fld>
             <a:endParaRPr lang="en-US"/>
           </a:p>
@@ -6821,7 +6821,7 @@
             <a:fld id="{8C1E1FAD-7351-4908-963A-08EA8E4AB7A0}" type="datetimeFigureOut">
               <a:rPr lang="en-US" smtClean="0"/>
               <a:pPr/>
-              <a:t>1/28/2023</a:t>
+              <a:t>1/31/2023</a:t>
             </a:fld>
             <a:endParaRPr lang="en-US" dirty="0"/>
           </a:p>
@@ -7802,7 +7802,7 @@
             <a:fld id="{8C1E1FAD-7351-4908-963A-08EA8E4AB7A0}" type="datetimeFigureOut">
               <a:rPr lang="en-US" smtClean="0"/>
               <a:pPr/>
-              <a:t>1/28/2023</a:t>
+              <a:t>1/31/2023</a:t>
             </a:fld>
             <a:endParaRPr lang="en-US" dirty="0"/>
           </a:p>
@@ -8937,7 +8937,7 @@
             <a:fld id="{8C1E1FAD-7351-4908-963A-08EA8E4AB7A0}" type="datetimeFigureOut">
               <a:rPr lang="en-US" smtClean="0"/>
               <a:pPr/>
-              <a:t>1/28/2023</a:t>
+              <a:t>1/31/2023</a:t>
             </a:fld>
             <a:endParaRPr lang="en-US" dirty="0"/>
           </a:p>
@@ -9971,7 +9971,7 @@
             <a:fld id="{8C1E1FAD-7351-4908-963A-08EA8E4AB7A0}" type="datetimeFigureOut">
               <a:rPr lang="en-US" smtClean="0"/>
               <a:pPr/>
-              <a:t>1/28/2023</a:t>
+              <a:t>1/31/2023</a:t>
             </a:fld>
             <a:endParaRPr lang="en-US" dirty="0"/>
           </a:p>
@@ -10632,7 +10632,7 @@
             <a:fld id="{8C1E1FAD-7351-4908-963A-08EA8E4AB7A0}" type="datetimeFigureOut">
               <a:rPr lang="en-US" smtClean="0"/>
               <a:pPr/>
-              <a:t>1/28/2023</a:t>
+              <a:t>1/31/2023</a:t>
             </a:fld>
             <a:endParaRPr lang="en-US" dirty="0"/>
           </a:p>
@@ -11494,7 +11494,7 @@
             <a:fld id="{8C1E1FAD-7351-4908-963A-08EA8E4AB7A0}" type="datetimeFigureOut">
               <a:rPr lang="en-US" smtClean="0"/>
               <a:pPr/>
-              <a:t>1/28/2023</a:t>
+              <a:t>1/31/2023</a:t>
             </a:fld>
             <a:endParaRPr lang="en-US" dirty="0"/>
           </a:p>
@@ -11684,7 +11684,7 @@
           <a:p>
             <a:fld id="{8C1E1FAD-7351-4908-963A-08EA8E4AB7A0}" type="datetimeFigureOut">
               <a:rPr lang="en-US" smtClean="0"/>
-              <a:t>1/28/2023</a:t>
+              <a:t>1/31/2023</a:t>
             </a:fld>
             <a:endParaRPr lang="en-US"/>
           </a:p>
@@ -12656,7 +12656,7 @@
           <a:p>
             <a:fld id="{8C1E1FAD-7351-4908-963A-08EA8E4AB7A0}" type="datetimeFigureOut">
               <a:rPr lang="en-US" smtClean="0"/>
-              <a:t>1/28/2023</a:t>
+              <a:t>1/31/2023</a:t>
             </a:fld>
             <a:endParaRPr lang="en-US"/>
           </a:p>
@@ -12867,7 +12867,7 @@
           <a:p>
             <a:fld id="{8C1E1FAD-7351-4908-963A-08EA8E4AB7A0}" type="datetimeFigureOut">
               <a:rPr lang="en-US" smtClean="0"/>
-              <a:t>1/28/2023</a:t>
+              <a:t>1/31/2023</a:t>
             </a:fld>
             <a:endParaRPr lang="en-US"/>
           </a:p>
@@ -13901,7 +13901,7 @@
           <a:p>
             <a:fld id="{8C1E1FAD-7351-4908-963A-08EA8E4AB7A0}" type="datetimeFigureOut">
               <a:rPr lang="en-US" smtClean="0"/>
-              <a:t>1/28/2023</a:t>
+              <a:t>1/31/2023</a:t>
             </a:fld>
             <a:endParaRPr lang="en-US"/>
           </a:p>
@@ -14173,7 +14173,7 @@
           <a:p>
             <a:fld id="{8C1E1FAD-7351-4908-963A-08EA8E4AB7A0}" type="datetimeFigureOut">
               <a:rPr lang="en-US" smtClean="0"/>
-              <a:t>1/28/2023</a:t>
+              <a:t>1/31/2023</a:t>
             </a:fld>
             <a:endParaRPr lang="en-US"/>
           </a:p>
@@ -14583,7 +14583,7 @@
           <a:p>
             <a:fld id="{8C1E1FAD-7351-4908-963A-08EA8E4AB7A0}" type="datetimeFigureOut">
               <a:rPr lang="en-US" smtClean="0"/>
-              <a:t>1/28/2023</a:t>
+              <a:t>1/31/2023</a:t>
             </a:fld>
             <a:endParaRPr lang="en-US"/>
           </a:p>
@@ -14710,7 +14710,7 @@
           <a:p>
             <a:fld id="{8C1E1FAD-7351-4908-963A-08EA8E4AB7A0}" type="datetimeFigureOut">
               <a:rPr lang="en-US" smtClean="0"/>
-              <a:t>1/28/2023</a:t>
+              <a:t>1/31/2023</a:t>
             </a:fld>
             <a:endParaRPr lang="en-US"/>
           </a:p>
@@ -14805,7 +14805,7 @@
           <a:p>
             <a:fld id="{8C1E1FAD-7351-4908-963A-08EA8E4AB7A0}" type="datetimeFigureOut">
               <a:rPr lang="en-US" smtClean="0"/>
-              <a:t>1/28/2023</a:t>
+              <a:t>1/31/2023</a:t>
             </a:fld>
             <a:endParaRPr lang="en-US"/>
           </a:p>
@@ -15886,7 +15886,7 @@
           <a:p>
             <a:fld id="{8C1E1FAD-7351-4908-963A-08EA8E4AB7A0}" type="datetimeFigureOut">
               <a:rPr lang="en-US" smtClean="0"/>
-              <a:t>1/28/2023</a:t>
+              <a:t>1/31/2023</a:t>
             </a:fld>
             <a:endParaRPr lang="en-US"/>
           </a:p>
@@ -16994,7 +16994,7 @@
           <a:p>
             <a:fld id="{8C1E1FAD-7351-4908-963A-08EA8E4AB7A0}" type="datetimeFigureOut">
               <a:rPr lang="en-US" smtClean="0"/>
-              <a:t>1/28/2023</a:t>
+              <a:t>1/31/2023</a:t>
             </a:fld>
             <a:endParaRPr lang="en-US"/>
           </a:p>
@@ -17992,7 +17992,7 @@
             <a:fld id="{8C1E1FAD-7351-4908-963A-08EA8E4AB7A0}" type="datetimeFigureOut">
               <a:rPr lang="en-US" smtClean="0"/>
               <a:pPr/>
-              <a:t>1/28/2023</a:t>
+              <a:t>1/31/2023</a:t>
             </a:fld>
             <a:endParaRPr lang="en-US" dirty="0"/>
           </a:p>

--- a/childhood_mortality.pptx
+++ b/childhood_mortality.pptx
@@ -5732,7 +5732,7 @@
           <a:p>
             <a:fld id="{8C1E1FAD-7351-4908-963A-08EA8E4AB7A0}" type="datetimeFigureOut">
               <a:rPr lang="en-US" smtClean="0"/>
-              <a:t>1/31/2023</a:t>
+              <a:t>2/2/2023</a:t>
             </a:fld>
             <a:endParaRPr lang="en-US"/>
           </a:p>
@@ -6821,7 +6821,7 @@
             <a:fld id="{8C1E1FAD-7351-4908-963A-08EA8E4AB7A0}" type="datetimeFigureOut">
               <a:rPr lang="en-US" smtClean="0"/>
               <a:pPr/>
-              <a:t>1/31/2023</a:t>
+              <a:t>2/2/2023</a:t>
             </a:fld>
             <a:endParaRPr lang="en-US" dirty="0"/>
           </a:p>
@@ -7802,7 +7802,7 @@
             <a:fld id="{8C1E1FAD-7351-4908-963A-08EA8E4AB7A0}" type="datetimeFigureOut">
               <a:rPr lang="en-US" smtClean="0"/>
               <a:pPr/>
-              <a:t>1/31/2023</a:t>
+              <a:t>2/2/2023</a:t>
             </a:fld>
             <a:endParaRPr lang="en-US" dirty="0"/>
           </a:p>
@@ -8937,7 +8937,7 @@
             <a:fld id="{8C1E1FAD-7351-4908-963A-08EA8E4AB7A0}" type="datetimeFigureOut">
               <a:rPr lang="en-US" smtClean="0"/>
               <a:pPr/>
-              <a:t>1/31/2023</a:t>
+              <a:t>2/2/2023</a:t>
             </a:fld>
             <a:endParaRPr lang="en-US" dirty="0"/>
           </a:p>
@@ -9971,7 +9971,7 @@
             <a:fld id="{8C1E1FAD-7351-4908-963A-08EA8E4AB7A0}" type="datetimeFigureOut">
               <a:rPr lang="en-US" smtClean="0"/>
               <a:pPr/>
-              <a:t>1/31/2023</a:t>
+              <a:t>2/2/2023</a:t>
             </a:fld>
             <a:endParaRPr lang="en-US" dirty="0"/>
           </a:p>
@@ -10632,7 +10632,7 @@
             <a:fld id="{8C1E1FAD-7351-4908-963A-08EA8E4AB7A0}" type="datetimeFigureOut">
               <a:rPr lang="en-US" smtClean="0"/>
               <a:pPr/>
-              <a:t>1/31/2023</a:t>
+              <a:t>2/2/2023</a:t>
             </a:fld>
             <a:endParaRPr lang="en-US" dirty="0"/>
           </a:p>
@@ -11494,7 +11494,7 @@
             <a:fld id="{8C1E1FAD-7351-4908-963A-08EA8E4AB7A0}" type="datetimeFigureOut">
               <a:rPr lang="en-US" smtClean="0"/>
               <a:pPr/>
-              <a:t>1/31/2023</a:t>
+              <a:t>2/2/2023</a:t>
             </a:fld>
             <a:endParaRPr lang="en-US" dirty="0"/>
           </a:p>
@@ -11684,7 +11684,7 @@
           <a:p>
             <a:fld id="{8C1E1FAD-7351-4908-963A-08EA8E4AB7A0}" type="datetimeFigureOut">
               <a:rPr lang="en-US" smtClean="0"/>
-              <a:t>1/31/2023</a:t>
+              <a:t>2/2/2023</a:t>
             </a:fld>
             <a:endParaRPr lang="en-US"/>
           </a:p>
@@ -12656,7 +12656,7 @@
           <a:p>
             <a:fld id="{8C1E1FAD-7351-4908-963A-08EA8E4AB7A0}" type="datetimeFigureOut">
               <a:rPr lang="en-US" smtClean="0"/>
-              <a:t>1/31/2023</a:t>
+              <a:t>2/2/2023</a:t>
             </a:fld>
             <a:endParaRPr lang="en-US"/>
           </a:p>
@@ -12867,7 +12867,7 @@
           <a:p>
             <a:fld id="{8C1E1FAD-7351-4908-963A-08EA8E4AB7A0}" type="datetimeFigureOut">
               <a:rPr lang="en-US" smtClean="0"/>
-              <a:t>1/31/2023</a:t>
+              <a:t>2/2/2023</a:t>
             </a:fld>
             <a:endParaRPr lang="en-US"/>
           </a:p>
@@ -13901,7 +13901,7 @@
           <a:p>
             <a:fld id="{8C1E1FAD-7351-4908-963A-08EA8E4AB7A0}" type="datetimeFigureOut">
               <a:rPr lang="en-US" smtClean="0"/>
-              <a:t>1/31/2023</a:t>
+              <a:t>2/2/2023</a:t>
             </a:fld>
             <a:endParaRPr lang="en-US"/>
           </a:p>
@@ -14173,7 +14173,7 @@
           <a:p>
             <a:fld id="{8C1E1FAD-7351-4908-963A-08EA8E4AB7A0}" type="datetimeFigureOut">
               <a:rPr lang="en-US" smtClean="0"/>
-              <a:t>1/31/2023</a:t>
+              <a:t>2/2/2023</a:t>
             </a:fld>
             <a:endParaRPr lang="en-US"/>
           </a:p>
@@ -14583,7 +14583,7 @@
           <a:p>
             <a:fld id="{8C1E1FAD-7351-4908-963A-08EA8E4AB7A0}" type="datetimeFigureOut">
               <a:rPr lang="en-US" smtClean="0"/>
-              <a:t>1/31/2023</a:t>
+              <a:t>2/2/2023</a:t>
             </a:fld>
             <a:endParaRPr lang="en-US"/>
           </a:p>
@@ -14710,7 +14710,7 @@
           <a:p>
             <a:fld id="{8C1E1FAD-7351-4908-963A-08EA8E4AB7A0}" type="datetimeFigureOut">
               <a:rPr lang="en-US" smtClean="0"/>
-              <a:t>1/31/2023</a:t>
+              <a:t>2/2/2023</a:t>
             </a:fld>
             <a:endParaRPr lang="en-US"/>
           </a:p>
@@ -14805,7 +14805,7 @@
           <a:p>
             <a:fld id="{8C1E1FAD-7351-4908-963A-08EA8E4AB7A0}" type="datetimeFigureOut">
               <a:rPr lang="en-US" smtClean="0"/>
-              <a:t>1/31/2023</a:t>
+              <a:t>2/2/2023</a:t>
             </a:fld>
             <a:endParaRPr lang="en-US"/>
           </a:p>
@@ -15886,7 +15886,7 @@
           <a:p>
             <a:fld id="{8C1E1FAD-7351-4908-963A-08EA8E4AB7A0}" type="datetimeFigureOut">
               <a:rPr lang="en-US" smtClean="0"/>
-              <a:t>1/31/2023</a:t>
+              <a:t>2/2/2023</a:t>
             </a:fld>
             <a:endParaRPr lang="en-US"/>
           </a:p>
@@ -16994,7 +16994,7 @@
           <a:p>
             <a:fld id="{8C1E1FAD-7351-4908-963A-08EA8E4AB7A0}" type="datetimeFigureOut">
               <a:rPr lang="en-US" smtClean="0"/>
-              <a:t>1/31/2023</a:t>
+              <a:t>2/2/2023</a:t>
             </a:fld>
             <a:endParaRPr lang="en-US"/>
           </a:p>
@@ -17992,7 +17992,7 @@
             <a:fld id="{8C1E1FAD-7351-4908-963A-08EA8E4AB7A0}" type="datetimeFigureOut">
               <a:rPr lang="en-US" smtClean="0"/>
               <a:pPr/>
-              <a:t>1/31/2023</a:t>
+              <a:t>2/2/2023</a:t>
             </a:fld>
             <a:endParaRPr lang="en-US" dirty="0"/>
           </a:p>
